--- a/Later/Exception/Exception_61/Java Exception Handling-Java Exception Handling Best Practices_Part2.pptx
+++ b/Later/Exception/Exception_61/Java Exception Handling-Java Exception Handling Best Practices_Part2.pptx
@@ -196,7 +196,7 @@
           <a:p>
             <a:fld id="{62274EC6-3890-417B-9308-14EFBD00FA63}" type="datetimeFigureOut">
               <a:rPr lang="en-US" smtClean="0"/>
-              <a:t>6/7/2016</a:t>
+              <a:t>6/8/2016</a:t>
             </a:fld>
             <a:endParaRPr lang="en-US" dirty="0"/>
           </a:p>
@@ -1091,7 +1091,7 @@
             <a:fld id="{1D8BD707-D9CF-40AE-B4C6-C98DA3205C09}" type="datetimeFigureOut">
               <a:rPr lang="en-US" smtClean="0"/>
               <a:pPr/>
-              <a:t>6/7/2016</a:t>
+              <a:t>6/8/2016</a:t>
             </a:fld>
             <a:endParaRPr lang="en-US" dirty="0"/>
           </a:p>
@@ -1263,7 +1263,7 @@
             <a:fld id="{1D8BD707-D9CF-40AE-B4C6-C98DA3205C09}" type="datetimeFigureOut">
               <a:rPr lang="en-US" smtClean="0"/>
               <a:pPr/>
-              <a:t>6/7/2016</a:t>
+              <a:t>6/8/2016</a:t>
             </a:fld>
             <a:endParaRPr lang="en-US" dirty="0"/>
           </a:p>
@@ -1445,7 +1445,7 @@
             <a:fld id="{1D8BD707-D9CF-40AE-B4C6-C98DA3205C09}" type="datetimeFigureOut">
               <a:rPr lang="en-US" smtClean="0"/>
               <a:pPr/>
-              <a:t>6/7/2016</a:t>
+              <a:t>6/8/2016</a:t>
             </a:fld>
             <a:endParaRPr lang="en-US" dirty="0"/>
           </a:p>
@@ -1617,7 +1617,7 @@
             <a:fld id="{1D8BD707-D9CF-40AE-B4C6-C98DA3205C09}" type="datetimeFigureOut">
               <a:rPr lang="en-US" smtClean="0"/>
               <a:pPr/>
-              <a:t>6/7/2016</a:t>
+              <a:t>6/8/2016</a:t>
             </a:fld>
             <a:endParaRPr lang="en-US" dirty="0"/>
           </a:p>
@@ -1865,7 +1865,7 @@
             <a:fld id="{1D8BD707-D9CF-40AE-B4C6-C98DA3205C09}" type="datetimeFigureOut">
               <a:rPr lang="en-US" smtClean="0"/>
               <a:pPr/>
-              <a:t>6/7/2016</a:t>
+              <a:t>6/8/2016</a:t>
             </a:fld>
             <a:endParaRPr lang="en-US" dirty="0"/>
           </a:p>
@@ -2155,7 +2155,7 @@
             <a:fld id="{1D8BD707-D9CF-40AE-B4C6-C98DA3205C09}" type="datetimeFigureOut">
               <a:rPr lang="en-US" smtClean="0"/>
               <a:pPr/>
-              <a:t>6/7/2016</a:t>
+              <a:t>6/8/2016</a:t>
             </a:fld>
             <a:endParaRPr lang="en-US" dirty="0"/>
           </a:p>
@@ -2584,7 +2584,7 @@
             <a:fld id="{1D8BD707-D9CF-40AE-B4C6-C98DA3205C09}" type="datetimeFigureOut">
               <a:rPr lang="en-US" smtClean="0"/>
               <a:pPr/>
-              <a:t>6/7/2016</a:t>
+              <a:t>6/8/2016</a:t>
             </a:fld>
             <a:endParaRPr lang="en-US" dirty="0"/>
           </a:p>
@@ -2704,7 +2704,7 @@
             <a:fld id="{1D8BD707-D9CF-40AE-B4C6-C98DA3205C09}" type="datetimeFigureOut">
               <a:rPr lang="en-US" smtClean="0"/>
               <a:pPr/>
-              <a:t>6/7/2016</a:t>
+              <a:t>6/8/2016</a:t>
             </a:fld>
             <a:endParaRPr lang="en-US" dirty="0"/>
           </a:p>
@@ -2801,7 +2801,7 @@
             <a:fld id="{1D8BD707-D9CF-40AE-B4C6-C98DA3205C09}" type="datetimeFigureOut">
               <a:rPr lang="en-US" smtClean="0"/>
               <a:pPr/>
-              <a:t>6/7/2016</a:t>
+              <a:t>6/8/2016</a:t>
             </a:fld>
             <a:endParaRPr lang="en-US" dirty="0"/>
           </a:p>
@@ -3080,7 +3080,7 @@
             <a:fld id="{1D8BD707-D9CF-40AE-B4C6-C98DA3205C09}" type="datetimeFigureOut">
               <a:rPr lang="en-US" smtClean="0"/>
               <a:pPr/>
-              <a:t>6/7/2016</a:t>
+              <a:t>6/8/2016</a:t>
             </a:fld>
             <a:endParaRPr lang="en-US" dirty="0"/>
           </a:p>
@@ -3335,7 +3335,7 @@
             <a:fld id="{1D8BD707-D9CF-40AE-B4C6-C98DA3205C09}" type="datetimeFigureOut">
               <a:rPr lang="en-US" smtClean="0"/>
               <a:pPr/>
-              <a:t>6/7/2016</a:t>
+              <a:t>6/8/2016</a:t>
             </a:fld>
             <a:endParaRPr lang="en-US" dirty="0"/>
           </a:p>
@@ -3550,7 +3550,7 @@
             <a:fld id="{1D8BD707-D9CF-40AE-B4C6-C98DA3205C09}" type="datetimeFigureOut">
               <a:rPr lang="en-US" smtClean="0"/>
               <a:pPr/>
-              <a:t>6/7/2016</a:t>
+              <a:t>6/8/2016</a:t>
             </a:fld>
             <a:endParaRPr lang="en-US" dirty="0"/>
           </a:p>
@@ -4078,7 +4078,7 @@
         <p:spPr>
           <a:xfrm>
             <a:off x="3097608" y="1233100"/>
-            <a:ext cx="2989601" cy="276999"/>
+            <a:ext cx="2872581" cy="276999"/>
           </a:xfrm>
           <a:prstGeom prst="rect">
             <a:avLst/>
@@ -4106,7 +4106,7 @@
           <a:p>
             <a:r>
               <a:rPr lang="en-US" sz="1200" dirty="0" smtClean="0"/>
-              <a:t>1.Never </a:t>
+              <a:t>Never </a:t>
             </a:r>
             <a:r>
               <a:rPr lang="en-US" sz="1200" dirty="0"/>
@@ -4154,7 +4154,6 @@
               <a:rPr lang="en-US" sz="1200" dirty="0"/>
               <a:t>Doing this not only return “null” instead of handling or re-throwing the exception, it totally swallows the exception, losing the cause of error forever. And when you don’t know the reason of failure, how you would prevent it in future? Never do this !!</a:t>
             </a:r>
-            <a:endParaRPr lang="en-US" sz="1200" dirty="0"/>
           </a:p>
         </p:txBody>
       </p:sp>
@@ -4385,7 +4384,7 @@
           <a:p>
             <a:r>
               <a:rPr lang="en-US" sz="1200" dirty="0" smtClean="0"/>
-              <a:t>2.Declare </a:t>
+              <a:t>Declare </a:t>
             </a:r>
             <a:r>
               <a:rPr lang="en-US" sz="1200" dirty="0"/>
@@ -4433,7 +4432,6 @@
               <a:rPr lang="en-US" sz="1200" dirty="0"/>
               <a:t>Always avoid doing this as in above code sample. It simply defeats the whole purpose of having checked exception. Declare the specific checked exceptions that your method can throw. If there are just too many such checked exceptions, you should probably wrap them in your own exception and add information to in exception message. You can also consider code refactoring also if possible.</a:t>
             </a:r>
-            <a:endParaRPr lang="en-US" sz="1200" dirty="0"/>
           </a:p>
         </p:txBody>
       </p:sp>
@@ -4768,7 +4766,7 @@
           <a:p>
             <a:r>
               <a:rPr lang="en-US" sz="1200" dirty="0" smtClean="0"/>
-              <a:t>3.Do </a:t>
+              <a:t>Do </a:t>
             </a:r>
             <a:r>
               <a:rPr lang="en-US" sz="1200" dirty="0"/>
@@ -4816,7 +4814,6 @@
               <a:rPr lang="en-US" sz="1200" dirty="0"/>
               <a:t>The problem with catching Exception is that if the method you are calling later adds a new checked exception to its method signature, the developer’s intent is that you should handle the specific new exception. If your code just catches Exception (or Throwable), you’ll never know about the change and the fact that your code is now wrong and might break at any point of time in runtime.</a:t>
             </a:r>
-            <a:endParaRPr lang="en-US" sz="1200" dirty="0"/>
           </a:p>
         </p:txBody>
       </p:sp>
@@ -4917,7 +4914,7 @@
         <p:spPr>
           <a:xfrm>
             <a:off x="2895600" y="1699139"/>
-            <a:ext cx="2071016" cy="276999"/>
+            <a:ext cx="1953996" cy="276999"/>
           </a:xfrm>
           <a:prstGeom prst="rect">
             <a:avLst/>
@@ -4945,7 +4942,7 @@
           <a:p>
             <a:r>
               <a:rPr lang="en-US" sz="1200" dirty="0" smtClean="0"/>
-              <a:t>4.Never </a:t>
+              <a:t>Never </a:t>
             </a:r>
             <a:r>
               <a:rPr lang="en-US" sz="1200" dirty="0"/>
@@ -4993,7 +4990,6 @@
               <a:rPr lang="en-US" sz="1200" dirty="0"/>
               <a:t>Well, its one step more serious trouble. Because java errors are also subclasses of the Throwable. Errors are irreversible conditions that can not be handled by JVM itself. And for some JVM implementations, JVM might not actually even invoke your catch clause on an Error.</a:t>
             </a:r>
-            <a:endParaRPr lang="en-US" sz="1200" dirty="0"/>
           </a:p>
         </p:txBody>
       </p:sp>
@@ -5136,15 +5132,7 @@
             <a:pPr fontAlgn="base"/>
             <a:r>
               <a:rPr lang="en-US" sz="1200" dirty="0"/>
-              <a:t>   throw new MyServiceException("Some information: " + </a:t>
-            </a:r>
-            <a:r>
-              <a:rPr lang="en-US" sz="1200" dirty="0"/>
-              <a:t>e.getMessage</a:t>
-            </a:r>
-            <a:r>
-              <a:rPr lang="en-US" sz="1200" dirty="0"/>
-              <a:t>());  //Incorrect way</a:t>
+              <a:t>   throw new MyServiceException("Some information: " + e.getMessage());  //Incorrect way</a:t>
             </a:r>
           </a:p>
           <a:p>
@@ -5153,7 +5141,6 @@
               <a:rPr lang="en-US" sz="1200" dirty="0"/>
               <a:t>}</a:t>
             </a:r>
-            <a:endParaRPr lang="en-US" sz="1200" dirty="0"/>
           </a:p>
         </p:txBody>
       </p:sp>
@@ -5194,7 +5181,7 @@
           <a:p>
             <a:r>
               <a:rPr lang="en-US" sz="1200" dirty="0" smtClean="0"/>
-              <a:t>5.Always </a:t>
+              <a:t>Always </a:t>
             </a:r>
             <a:r>
               <a:rPr lang="en-US" sz="1200" dirty="0"/>
@@ -5242,7 +5229,6 @@
               <a:rPr lang="en-US" sz="1200" dirty="0"/>
               <a:t>This destroys the stack trace of the original exception, and is always wrong. The correct way of doing this is:</a:t>
             </a:r>
-            <a:endParaRPr lang="en-US" sz="1200" dirty="0"/>
           </a:p>
         </p:txBody>
       </p:sp>
